--- a/Reports/Capstone Pres - Brody Hill.pptx
+++ b/Reports/Capstone Pres - Brody Hill.pptx
@@ -17819,14 +17819,65 @@
         </p:blipFill>
         <p:spPr>
           <a:xfrm>
-            <a:off x="1172584" y="1226372"/>
-            <a:ext cx="9810973" cy="5021168"/>
+            <a:off x="380662" y="766482"/>
+            <a:ext cx="11279067" cy="5836060"/>
           </a:xfrm>
           <a:prstGeom prst="rect">
             <a:avLst/>
           </a:prstGeom>
         </p:spPr>
       </p:pic>
+      <p:sp>
+        <p:nvSpPr>
+          <p:cNvPr id="3" name="Rectangle 2">
+            <a:extLst>
+              <a:ext uri="{FF2B5EF4-FFF2-40B4-BE49-F238E27FC236}">
+                <a16:creationId xmlns:a16="http://schemas.microsoft.com/office/drawing/2014/main" id="{1FE37726-621C-2B10-75C7-62DFC7DE18BB}"/>
+              </a:ext>
+            </a:extLst>
+          </p:cNvPr>
+          <p:cNvSpPr/>
+          <p:nvPr/>
+        </p:nvSpPr>
+        <p:spPr>
+          <a:xfrm>
+            <a:off x="7328647" y="2743200"/>
+            <a:ext cx="887506" cy="1788459"/>
+          </a:xfrm>
+          <a:prstGeom prst="rect">
+            <a:avLst/>
+          </a:prstGeom>
+          <a:solidFill>
+            <a:srgbClr val="FFFF00">
+              <a:alpha val="56952"/>
+            </a:srgbClr>
+          </a:solidFill>
+        </p:spPr>
+        <p:style>
+          <a:lnRef idx="2">
+            <a:schemeClr val="accent1">
+              <a:shade val="15000"/>
+            </a:schemeClr>
+          </a:lnRef>
+          <a:fillRef idx="1">
+            <a:schemeClr val="accent1"/>
+          </a:fillRef>
+          <a:effectRef idx="0">
+            <a:schemeClr val="accent1"/>
+          </a:effectRef>
+          <a:fontRef idx="minor">
+            <a:schemeClr val="lt1"/>
+          </a:fontRef>
+        </p:style>
+        <p:txBody>
+          <a:bodyPr rtlCol="0" anchor="ctr"/>
+          <a:lstStyle/>
+          <a:p>
+            <a:pPr algn="ctr"/>
+            <a:endParaRPr lang="en-US"/>
+          </a:p>
+        </p:txBody>
+      </p:sp>
     </p:spTree>
     <p:extLst>
       <p:ext uri="{BB962C8B-B14F-4D97-AF65-F5344CB8AC3E}">
@@ -17837,6 +17888,92 @@
   <p:clrMapOvr>
     <a:masterClrMapping/>
   </p:clrMapOvr>
+  <p:timing>
+    <p:tnLst>
+      <p:par>
+        <p:cTn id="1" dur="indefinite" restart="never" nodeType="tmRoot">
+          <p:childTnLst>
+            <p:seq concurrent="1" nextAc="seek">
+              <p:cTn id="2" dur="indefinite" nodeType="mainSeq">
+                <p:childTnLst>
+                  <p:par>
+                    <p:cTn id="3" fill="hold">
+                      <p:stCondLst>
+                        <p:cond delay="indefinite"/>
+                      </p:stCondLst>
+                      <p:childTnLst>
+                        <p:par>
+                          <p:cTn id="4" fill="hold">
+                            <p:stCondLst>
+                              <p:cond delay="0"/>
+                            </p:stCondLst>
+                            <p:childTnLst>
+                              <p:par>
+                                <p:cTn id="5" presetID="22" presetClass="entr" presetSubtype="4" fill="hold" grpId="0" nodeType="clickEffect">
+                                  <p:stCondLst>
+                                    <p:cond delay="0"/>
+                                  </p:stCondLst>
+                                  <p:childTnLst>
+                                    <p:set>
+                                      <p:cBhvr>
+                                        <p:cTn id="6" dur="1" fill="hold">
+                                          <p:stCondLst>
+                                            <p:cond delay="0"/>
+                                          </p:stCondLst>
+                                        </p:cTn>
+                                        <p:tgtEl>
+                                          <p:spTgt spid="3"/>
+                                        </p:tgtEl>
+                                        <p:attrNameLst>
+                                          <p:attrName>style.visibility</p:attrName>
+                                        </p:attrNameLst>
+                                      </p:cBhvr>
+                                      <p:to>
+                                        <p:strVal val="visible"/>
+                                      </p:to>
+                                    </p:set>
+                                    <p:animEffect transition="in" filter="wipe(down)">
+                                      <p:cBhvr>
+                                        <p:cTn id="7" dur="500"/>
+                                        <p:tgtEl>
+                                          <p:spTgt spid="3"/>
+                                        </p:tgtEl>
+                                      </p:cBhvr>
+                                    </p:animEffect>
+                                  </p:childTnLst>
+                                </p:cTn>
+                              </p:par>
+                            </p:childTnLst>
+                          </p:cTn>
+                        </p:par>
+                      </p:childTnLst>
+                    </p:cTn>
+                  </p:par>
+                </p:childTnLst>
+              </p:cTn>
+              <p:prevCondLst>
+                <p:cond evt="onPrev" delay="0">
+                  <p:tgtEl>
+                    <p:sldTgt/>
+                  </p:tgtEl>
+                </p:cond>
+              </p:prevCondLst>
+              <p:nextCondLst>
+                <p:cond evt="onNext" delay="0">
+                  <p:tgtEl>
+                    <p:sldTgt/>
+                  </p:tgtEl>
+                </p:cond>
+              </p:nextCondLst>
+            </p:seq>
+          </p:childTnLst>
+        </p:cTn>
+      </p:par>
+    </p:tnLst>
+    <p:bldLst>
+      <p:bldP spid="3" grpId="0" animBg="1"/>
+    </p:bldLst>
+  </p:timing>
 </p:sld>
 </file>
 

--- a/Reports/Capstone Pres - Brody Hill.pptx
+++ b/Reports/Capstone Pres - Brody Hill.pptx
@@ -23245,7 +23245,7 @@
         </p:nvSpPr>
         <p:spPr>
           <a:xfrm>
-            <a:off x="4180173" y="285004"/>
+            <a:off x="4293124" y="333381"/>
             <a:ext cx="3605751" cy="574532"/>
           </a:xfrm>
         </p:spPr>
@@ -23260,21 +23260,7 @@
                 <a:latin typeface="Arial" panose="020B0604020202020204" pitchFamily="34" charset="0"/>
                 <a:cs typeface="Arial" panose="020B0604020202020204" pitchFamily="34" charset="0"/>
               </a:rPr>
-              <a:t>Feature </a:t>
-            </a:r>
-            <a:r>
-              <a:rPr lang="en-US" sz="3200" dirty="0">
-                <a:latin typeface="Arial" panose="020B0604020202020204" pitchFamily="34" charset="0"/>
-                <a:cs typeface="Arial" panose="020B0604020202020204" pitchFamily="34" charset="0"/>
-              </a:rPr>
-              <a:t>Importance</a:t>
-            </a:r>
-            <a:r>
-              <a:rPr lang="en-US" sz="2800" dirty="0">
-                <a:latin typeface="Arial" panose="020B0604020202020204" pitchFamily="34" charset="0"/>
-                <a:cs typeface="Arial" panose="020B0604020202020204" pitchFamily="34" charset="0"/>
-              </a:rPr>
-              <a:t>:</a:t>
+              <a:t>Feature Importance:</a:t>
             </a:r>
           </a:p>
         </p:txBody>

--- a/Reports/Capstone Pres - Brody Hill.pptx
+++ b/Reports/Capstone Pres - Brody Hill.pptx
@@ -3104,7 +3104,7 @@
           <a:p>
             <a:fld id="{F54AC860-B855-184C-ACF8-6635DD113B9E}" type="datetimeFigureOut">
               <a:rPr lang="en-US" smtClean="0"/>
-              <a:t>11/2/23</a:t>
+              <a:t>11/6/23</a:t>
             </a:fld>
             <a:endParaRPr lang="en-US"/>
           </a:p>
@@ -4431,7 +4431,7 @@
           <a:p>
             <a:fld id="{72EA7947-E287-4738-8C82-07CE4F01EF03}" type="datetime2">
               <a:rPr lang="en-US" smtClean="0"/>
-              <a:t>Thursday, November 2, 2023</a:t>
+              <a:t>Monday, November 6, 2023</a:t>
             </a:fld>
             <a:endParaRPr lang="en-US" dirty="0"/>
           </a:p>
@@ -5467,7 +5467,7 @@
           <a:p>
             <a:fld id="{EE2EBD84-71F4-4271-8C46-0D47C0A9B12E}" type="datetime2">
               <a:rPr lang="en-US" smtClean="0"/>
-              <a:t>Thursday, November 2, 2023</a:t>
+              <a:t>Monday, November 6, 2023</a:t>
             </a:fld>
             <a:endParaRPr lang="en-US"/>
           </a:p>
@@ -5678,7 +5678,7 @@
           <a:p>
             <a:fld id="{ABAE0CE1-F450-4107-B2CB-17B18F8A3F4A}" type="datetime2">
               <a:rPr lang="en-US" smtClean="0"/>
-              <a:t>Thursday, November 2, 2023</a:t>
+              <a:t>Monday, November 6, 2023</a:t>
             </a:fld>
             <a:endParaRPr lang="en-US"/>
           </a:p>
@@ -6343,7 +6343,7 @@
           <a:p>
             <a:fld id="{6FE8C025-CD7A-4966-867E-81CF82B15267}" type="datetime2">
               <a:rPr lang="en-US" smtClean="0"/>
-              <a:t>Thursday, November 2, 2023</a:t>
+              <a:t>Monday, November 6, 2023</a:t>
             </a:fld>
             <a:endParaRPr lang="en-US"/>
           </a:p>
@@ -6963,7 +6963,7 @@
           <a:p>
             <a:fld id="{FE809929-0719-4517-94D6-FDF7F99E70F6}" type="datetime2">
               <a:rPr lang="en-US" smtClean="0"/>
-              <a:t>Thursday, November 2, 2023</a:t>
+              <a:t>Monday, November 6, 2023</a:t>
             </a:fld>
             <a:endParaRPr lang="en-US"/>
           </a:p>
@@ -8081,7 +8081,7 @@
           <a:p>
             <a:fld id="{20E95673-5512-4AAA-9AEB-E00C61EC65D5}" type="datetime2">
               <a:rPr lang="en-US" smtClean="0"/>
-              <a:t>Thursday, November 2, 2023</a:t>
+              <a:t>Monday, November 6, 2023</a:t>
             </a:fld>
             <a:endParaRPr lang="en-US"/>
           </a:p>
@@ -8628,7 +8628,7 @@
           <a:p>
             <a:fld id="{C13138FA-2E87-4873-8BBA-13E447C9A99A}" type="datetime2">
               <a:rPr lang="en-US" smtClean="0"/>
-              <a:t>Thursday, November 2, 2023</a:t>
+              <a:t>Monday, November 6, 2023</a:t>
             </a:fld>
             <a:endParaRPr lang="en-US"/>
           </a:p>
@@ -8789,7 +8789,7 @@
           <a:p>
             <a:fld id="{D75BB40A-97BD-4BFB-B639-0BFF95FDE8B7}" type="datetime2">
               <a:rPr lang="en-US" smtClean="0"/>
-              <a:t>Thursday, November 2, 2023</a:t>
+              <a:t>Monday, November 6, 2023</a:t>
             </a:fld>
             <a:endParaRPr lang="en-US"/>
           </a:p>
@@ -9824,7 +9824,7 @@
           <a:p>
             <a:fld id="{9EE9E0E3-ECF6-4CFE-8698-AEFEBCECC3C0}" type="datetime2">
               <a:rPr lang="en-US" smtClean="0"/>
-              <a:t>Thursday, November 2, 2023</a:t>
+              <a:t>Monday, November 6, 2023</a:t>
             </a:fld>
             <a:endParaRPr lang="en-US"/>
           </a:p>
@@ -10470,7 +10470,7 @@
           <a:p>
             <a:fld id="{251462FC-960E-4740-921F-B36862979F21}" type="datetime2">
               <a:rPr lang="en-US" smtClean="0"/>
-              <a:t>Thursday, November 2, 2023</a:t>
+              <a:t>Monday, November 6, 2023</a:t>
             </a:fld>
             <a:endParaRPr lang="en-US"/>
           </a:p>
@@ -11234,7 +11234,7 @@
           <a:p>
             <a:fld id="{E50BC9E2-CB44-4C05-9BB5-496C18A241E0}" type="datetime2">
               <a:rPr lang="en-US" smtClean="0"/>
-              <a:t>Thursday, November 2, 2023</a:t>
+              <a:t>Monday, November 6, 2023</a:t>
             </a:fld>
             <a:endParaRPr lang="en-US"/>
           </a:p>
@@ -11487,7 +11487,7 @@
           <a:p>
             <a:fld id="{246CB39B-5F4C-4A7E-9BE3-AAFD45576D16}" type="datetime2">
               <a:rPr lang="en-US" smtClean="0"/>
-              <a:t>Thursday, November 2, 2023</a:t>
+              <a:t>Monday, November 6, 2023</a:t>
             </a:fld>
             <a:endParaRPr lang="en-US" dirty="0"/>
           </a:p>
@@ -14823,7 +14823,43 @@
                 <a:latin typeface="Arial" panose="020B0604020202020204" pitchFamily="34" charset="0"/>
                 <a:cs typeface="Arial" panose="020B0604020202020204" pitchFamily="34" charset="0"/>
               </a:rPr>
-              <a:t>You’re intel and you’ve just released you first line of GPUs.</a:t>
+              <a:t>You’re intel and you’ve just </a:t>
+            </a:r>
+            <a:r>
+              <a:rPr lang="en-US" sz="2400">
+                <a:ln w="0"/>
+                <a:solidFill>
+                  <a:schemeClr val="tx1"/>
+                </a:solidFill>
+                <a:effectLst>
+                  <a:outerShdw blurRad="38100" dist="19050" dir="2700000" algn="tl" rotWithShape="0">
+                    <a:schemeClr val="dk1">
+                      <a:alpha val="40000"/>
+                    </a:schemeClr>
+                  </a:outerShdw>
+                </a:effectLst>
+                <a:latin typeface="Arial" panose="020B0604020202020204" pitchFamily="34" charset="0"/>
+                <a:cs typeface="Arial" panose="020B0604020202020204" pitchFamily="34" charset="0"/>
+              </a:rPr>
+              <a:t>released your </a:t>
+            </a:r>
+            <a:r>
+              <a:rPr lang="en-US" sz="2400" dirty="0">
+                <a:ln w="0"/>
+                <a:solidFill>
+                  <a:schemeClr val="tx1"/>
+                </a:solidFill>
+                <a:effectLst>
+                  <a:outerShdw blurRad="38100" dist="19050" dir="2700000" algn="tl" rotWithShape="0">
+                    <a:schemeClr val="dk1">
+                      <a:alpha val="40000"/>
+                    </a:schemeClr>
+                  </a:outerShdw>
+                </a:effectLst>
+                <a:latin typeface="Arial" panose="020B0604020202020204" pitchFamily="34" charset="0"/>
+                <a:cs typeface="Arial" panose="020B0604020202020204" pitchFamily="34" charset="0"/>
+              </a:rPr>
+              <a:t>first line of GPUs.</a:t>
             </a:r>
           </a:p>
           <a:p>

--- a/Reports/Capstone Pres - Brody Hill.pptx
+++ b/Reports/Capstone Pres - Brody Hill.pptx
@@ -21334,7 +21334,7 @@
         </p:nvSpPr>
         <p:spPr>
           <a:xfrm>
-            <a:off x="550864" y="549275"/>
+            <a:off x="341100" y="605952"/>
             <a:ext cx="3565524" cy="3034657"/>
           </a:xfrm>
         </p:spPr>
@@ -21845,10 +21845,10 @@
       </p:grpSp>
       <p:pic>
         <p:nvPicPr>
-          <p:cNvPr id="7" name="Picture 6" descr="A screenshot of a computer&#10;&#10;Description automatically generated">
+          <p:cNvPr id="4" name="Picture 3" descr="A screenshot of a computer&#10;&#10;Description automatically generated">
             <a:extLst>
               <a:ext uri="{FF2B5EF4-FFF2-40B4-BE49-F238E27FC236}">
-                <a16:creationId xmlns:a16="http://schemas.microsoft.com/office/drawing/2014/main" id="{9A8150FB-A615-5CC4-F067-7D3CCCAFFCED}"/>
+                <a16:creationId xmlns:a16="http://schemas.microsoft.com/office/drawing/2014/main" id="{114F507C-0CB5-1B9F-F3A7-75792DF030FA}"/>
               </a:ext>
             </a:extLst>
           </p:cNvPr>
@@ -21865,33 +21865,12 @@
         </p:blipFill>
         <p:spPr>
           <a:xfrm>
-            <a:off x="4295776" y="1042551"/>
-            <a:ext cx="7345363" cy="4774485"/>
+            <a:off x="3373631" y="883932"/>
+            <a:ext cx="8546731" cy="5126567"/>
           </a:xfrm>
-          <a:custGeom>
+          <a:prstGeom prst="rect">
             <a:avLst/>
-            <a:gdLst/>
-            <a:ahLst/>
-            <a:cxnLst/>
-            <a:rect l="l" t="t" r="r" b="b"/>
-            <a:pathLst>
-              <a:path w="7345363" h="5761037">
-                <a:moveTo>
-                  <a:pt x="0" y="0"/>
-                </a:moveTo>
-                <a:lnTo>
-                  <a:pt x="7345363" y="0"/>
-                </a:lnTo>
-                <a:lnTo>
-                  <a:pt x="7345363" y="5761037"/>
-                </a:lnTo>
-                <a:lnTo>
-                  <a:pt x="0" y="5761037"/>
-                </a:lnTo>
-                <a:close/>
-              </a:path>
-            </a:pathLst>
-          </a:custGeom>
+          </a:prstGeom>
         </p:spPr>
       </p:pic>
     </p:spTree>

--- a/Reports/Capstone Pres - Brody Hill.pptx
+++ b/Reports/Capstone Pres - Brody Hill.pptx
@@ -14745,7 +14745,7 @@
         </p:nvSpPr>
         <p:spPr>
           <a:xfrm>
-            <a:off x="549536" y="1546375"/>
+            <a:off x="657113" y="1600163"/>
             <a:ext cx="11091600" cy="1332000"/>
           </a:xfrm>
         </p:spPr>
@@ -15850,13 +15850,13 @@
         </p:nvSpPr>
         <p:spPr>
           <a:xfrm>
-            <a:off x="3955931" y="3076131"/>
+            <a:off x="3955931" y="1728669"/>
             <a:ext cx="4317583" cy="397987"/>
           </a:xfrm>
         </p:spPr>
         <p:txBody>
           <a:bodyPr vert="horz" wrap="square" lIns="0" tIns="0" rIns="0" bIns="0" rtlCol="0" anchor="b" anchorCtr="0">
-            <a:normAutofit fontScale="90000"/>
+            <a:noAutofit/>
           </a:bodyPr>
           <a:lstStyle/>
           <a:p>
@@ -16417,8 +16417,8 @@
         </p:nvSpPr>
         <p:spPr>
           <a:xfrm>
-            <a:off x="2707768" y="3746741"/>
-            <a:ext cx="7308850" cy="1713545"/>
+            <a:off x="1426907" y="2618081"/>
+            <a:ext cx="9451017" cy="1713545"/>
           </a:xfrm>
         </p:spPr>
         <p:txBody>
